--- a/ModularizingTheMonolith/ModularizingTheMonolith.pptx
+++ b/ModularizingTheMonolith/ModularizingTheMonolith.pptx
@@ -294,7 +294,7 @@
           <a:p>
             <a:fld id="{D4DDA21E-28F9-429C-875C-CFE3ACB8D770}" type="datetimeFigureOut">
               <a:rPr lang="en-US" smtClean="0"/>
-              <a:t>6/12/24</a:t>
+              <a:t>1/17/25</a:t>
             </a:fld>
             <a:endParaRPr lang="en-US"/>
           </a:p>
@@ -1410,7 +1410,7 @@
           <a:p>
             <a:fld id="{EB044DB1-568E-4964-A02F-CCDCEAA70EF3}" type="datetimeFigureOut">
               <a:rPr lang="en-US" smtClean="0"/>
-              <a:t>6/12/24</a:t>
+              <a:t>1/17/25</a:t>
             </a:fld>
             <a:endParaRPr lang="en-US"/>
           </a:p>
@@ -1715,7 +1715,7 @@
           <a:p>
             <a:fld id="{EB044DB1-568E-4964-A02F-CCDCEAA70EF3}" type="datetimeFigureOut">
               <a:rPr lang="en-US" smtClean="0"/>
-              <a:t>6/12/24</a:t>
+              <a:t>1/17/25</a:t>
             </a:fld>
             <a:endParaRPr lang="en-US"/>
           </a:p>
@@ -1880,7 +1880,7 @@
           <a:p>
             <a:fld id="{EB044DB1-568E-4964-A02F-CCDCEAA70EF3}" type="datetimeFigureOut">
               <a:rPr lang="en-US" smtClean="0"/>
-              <a:t>6/12/24</a:t>
+              <a:t>1/17/25</a:t>
             </a:fld>
             <a:endParaRPr lang="en-US"/>
           </a:p>
@@ -2055,7 +2055,7 @@
           <a:p>
             <a:fld id="{EB044DB1-568E-4964-A02F-CCDCEAA70EF3}" type="datetimeFigureOut">
               <a:rPr lang="en-US" smtClean="0"/>
-              <a:t>6/12/24</a:t>
+              <a:t>1/17/25</a:t>
             </a:fld>
             <a:endParaRPr lang="en-US"/>
           </a:p>
@@ -3751,7 +3751,7 @@
           <a:p>
             <a:fld id="{EB044DB1-568E-4964-A02F-CCDCEAA70EF3}" type="datetimeFigureOut">
               <a:rPr lang="en-US" smtClean="0"/>
-              <a:t>6/12/24</a:t>
+              <a:t>1/17/25</a:t>
             </a:fld>
             <a:endParaRPr lang="en-US"/>
           </a:p>
@@ -3958,7 +3958,7 @@
           <a:p>
             <a:fld id="{EB044DB1-568E-4964-A02F-CCDCEAA70EF3}" type="datetimeFigureOut">
               <a:rPr lang="en-US" smtClean="0"/>
-              <a:t>6/12/24</a:t>
+              <a:t>1/17/25</a:t>
             </a:fld>
             <a:endParaRPr lang="en-US"/>
           </a:p>
